--- a/lecture 5/Lecture 5 - Mobile Application Development.pptx
+++ b/lecture 5/Lecture 5 - Mobile Application Development.pptx
@@ -5,7 +5,7 @@
     <p:sldMasterId id="2147483677" r:id="rId1"/>
   </p:sldMasterIdLst>
   <p:notesMasterIdLst>
-    <p:notesMasterId r:id="rId13"/>
+    <p:notesMasterId r:id="rId17"/>
   </p:notesMasterIdLst>
   <p:sldIdLst>
     <p:sldId id="256" r:id="rId2"/>
@@ -19,6 +19,10 @@
     <p:sldId id="273" r:id="rId10"/>
     <p:sldId id="274" r:id="rId11"/>
     <p:sldId id="276" r:id="rId12"/>
+    <p:sldId id="277" r:id="rId13"/>
+    <p:sldId id="280" r:id="rId14"/>
+    <p:sldId id="279" r:id="rId15"/>
+    <p:sldId id="281" r:id="rId16"/>
   </p:sldIdLst>
   <p:sldSz cx="12192000" cy="6858000"/>
   <p:notesSz cx="6858000" cy="9144000"/>
@@ -233,7 +237,7 @@
           <a:p>
             <a:fld id="{A3C2A6A4-4365-4DD8-8CB7-3A4F849F3EAA}" type="datetimeFigureOut">
               <a:rPr lang="en-GB" smtClean="0"/>
-              <a:t>15/09/2019</a:t>
+              <a:t>25/09/2019</a:t>
             </a:fld>
             <a:endParaRPr lang="en-GB"/>
           </a:p>
@@ -727,7 +731,7 @@
           <a:p>
             <a:fld id="{B5906FF8-4769-4691-A860-171D2AFB3E65}" type="datetimeFigureOut">
               <a:rPr lang="en-GB" smtClean="0"/>
-              <a:t>15/09/2019</a:t>
+              <a:t>25/09/2019</a:t>
             </a:fld>
             <a:endParaRPr lang="en-GB"/>
           </a:p>
@@ -935,7 +939,7 @@
           <a:p>
             <a:fld id="{B5906FF8-4769-4691-A860-171D2AFB3E65}" type="datetimeFigureOut">
               <a:rPr lang="en-GB" smtClean="0"/>
-              <a:t>15/09/2019</a:t>
+              <a:t>25/09/2019</a:t>
             </a:fld>
             <a:endParaRPr lang="en-GB"/>
           </a:p>
@@ -1191,7 +1195,7 @@
           <a:p>
             <a:fld id="{B5906FF8-4769-4691-A860-171D2AFB3E65}" type="datetimeFigureOut">
               <a:rPr lang="en-GB" smtClean="0"/>
-              <a:t>15/09/2019</a:t>
+              <a:t>25/09/2019</a:t>
             </a:fld>
             <a:endParaRPr lang="en-GB"/>
           </a:p>
@@ -1365,7 +1369,7 @@
           <a:p>
             <a:fld id="{B5906FF8-4769-4691-A860-171D2AFB3E65}" type="datetimeFigureOut">
               <a:rPr lang="en-GB" smtClean="0"/>
-              <a:t>15/09/2019</a:t>
+              <a:t>25/09/2019</a:t>
             </a:fld>
             <a:endParaRPr lang="en-GB"/>
           </a:p>
@@ -1708,7 +1712,7 @@
           <a:p>
             <a:fld id="{B5906FF8-4769-4691-A860-171D2AFB3E65}" type="datetimeFigureOut">
               <a:rPr lang="en-GB" smtClean="0"/>
-              <a:t>15/09/2019</a:t>
+              <a:t>25/09/2019</a:t>
             </a:fld>
             <a:endParaRPr lang="en-GB"/>
           </a:p>
@@ -1983,7 +1987,7 @@
           <a:p>
             <a:fld id="{B5906FF8-4769-4691-A860-171D2AFB3E65}" type="datetimeFigureOut">
               <a:rPr lang="en-GB" smtClean="0"/>
-              <a:t>15/09/2019</a:t>
+              <a:t>25/09/2019</a:t>
             </a:fld>
             <a:endParaRPr lang="en-GB"/>
           </a:p>
@@ -2362,7 +2366,7 @@
           <a:p>
             <a:fld id="{B5906FF8-4769-4691-A860-171D2AFB3E65}" type="datetimeFigureOut">
               <a:rPr lang="en-GB" smtClean="0"/>
-              <a:t>15/09/2019</a:t>
+              <a:t>25/09/2019</a:t>
             </a:fld>
             <a:endParaRPr lang="en-GB"/>
           </a:p>
@@ -2480,7 +2484,7 @@
           <a:p>
             <a:fld id="{B5906FF8-4769-4691-A860-171D2AFB3E65}" type="datetimeFigureOut">
               <a:rPr lang="en-GB" smtClean="0"/>
-              <a:t>15/09/2019</a:t>
+              <a:t>25/09/2019</a:t>
             </a:fld>
             <a:endParaRPr lang="en-GB"/>
           </a:p>
@@ -2651,7 +2655,7 @@
           <a:p>
             <a:fld id="{B5906FF8-4769-4691-A860-171D2AFB3E65}" type="datetimeFigureOut">
               <a:rPr lang="en-GB" smtClean="0"/>
-              <a:t>15/09/2019</a:t>
+              <a:t>25/09/2019</a:t>
             </a:fld>
             <a:endParaRPr lang="en-GB"/>
           </a:p>
@@ -3005,7 +3009,7 @@
           <a:p>
             <a:fld id="{B5906FF8-4769-4691-A860-171D2AFB3E65}" type="datetimeFigureOut">
               <a:rPr lang="en-GB" smtClean="0"/>
-              <a:t>15/09/2019</a:t>
+              <a:t>25/09/2019</a:t>
             </a:fld>
             <a:endParaRPr lang="en-GB"/>
           </a:p>
@@ -3387,7 +3391,7 @@
           <a:p>
             <a:fld id="{B5906FF8-4769-4691-A860-171D2AFB3E65}" type="datetimeFigureOut">
               <a:rPr lang="en-GB" smtClean="0"/>
-              <a:t>15/09/2019</a:t>
+              <a:t>25/09/2019</a:t>
             </a:fld>
             <a:endParaRPr lang="en-GB"/>
           </a:p>
@@ -3674,7 +3678,7 @@
           <a:p>
             <a:fld id="{B5906FF8-4769-4691-A860-171D2AFB3E65}" type="datetimeFigureOut">
               <a:rPr lang="en-GB" smtClean="0"/>
-              <a:t>15/09/2019</a:t>
+              <a:t>25/09/2019</a:t>
             </a:fld>
             <a:endParaRPr lang="en-GB"/>
           </a:p>
@@ -4486,6 +4490,653 @@
 </p:sld>
 </file>
 
+<file path=ppt/slides/slide12.xml><?xml version="1.0" encoding="utf-8"?>
+<p:sld xmlns:a="http://schemas.openxmlformats.org/drawingml/2006/main" xmlns:r="http://schemas.openxmlformats.org/officeDocument/2006/relationships" xmlns:p="http://schemas.openxmlformats.org/presentationml/2006/main">
+  <p:cSld>
+    <p:spTree>
+      <p:nvGrpSpPr>
+        <p:cNvPr id="1" name=""/>
+        <p:cNvGrpSpPr/>
+        <p:nvPr/>
+      </p:nvGrpSpPr>
+      <p:grpSpPr>
+        <a:xfrm>
+          <a:off x="0" y="0"/>
+          <a:ext cx="0" cy="0"/>
+          <a:chOff x="0" y="0"/>
+          <a:chExt cx="0" cy="0"/>
+        </a:xfrm>
+      </p:grpSpPr>
+      <p:sp>
+        <p:nvSpPr>
+          <p:cNvPr id="2" name="Title 1"/>
+          <p:cNvSpPr>
+            <a:spLocks noGrp="1"/>
+          </p:cNvSpPr>
+          <p:nvPr>
+            <p:ph type="title"/>
+          </p:nvPr>
+        </p:nvSpPr>
+        <p:spPr/>
+        <p:txBody>
+          <a:bodyPr/>
+          <a:lstStyle/>
+          <a:p>
+            <a:r>
+              <a:rPr lang="en-US" dirty="0" smtClean="0"/>
+              <a:t>*ngFor usage in Ionic</a:t>
+            </a:r>
+            <a:endParaRPr lang="en-GB" dirty="0"/>
+          </a:p>
+        </p:txBody>
+      </p:sp>
+      <p:sp>
+        <p:nvSpPr>
+          <p:cNvPr id="3" name="Content Placeholder 2"/>
+          <p:cNvSpPr>
+            <a:spLocks noGrp="1"/>
+          </p:cNvSpPr>
+          <p:nvPr>
+            <p:ph idx="1"/>
+          </p:nvPr>
+        </p:nvSpPr>
+        <p:spPr>
+          <a:xfrm>
+            <a:off x="1033272" y="1737360"/>
+            <a:ext cx="10058400" cy="4673938"/>
+          </a:xfrm>
+        </p:spPr>
+        <p:txBody>
+          <a:bodyPr>
+            <a:noAutofit/>
+          </a:bodyPr>
+          <a:lstStyle/>
+          <a:p>
+            <a:pPr>
+              <a:lnSpc>
+                <a:spcPct val="200000"/>
+              </a:lnSpc>
+              <a:buFont typeface="Wingdings" panose="05000000000000000000" pitchFamily="2" charset="2"/>
+              <a:buChar char="§"/>
+            </a:pPr>
+            <a:r>
+              <a:rPr lang="en-GB" dirty="0" smtClean="0"/>
+              <a:t> </a:t>
+            </a:r>
+            <a:r>
+              <a:rPr lang="en-GB" dirty="0" smtClean="0"/>
+              <a:t>*</a:t>
+            </a:r>
+            <a:r>
+              <a:rPr lang="en-GB" dirty="0" smtClean="0"/>
+              <a:t>ngFor </a:t>
+            </a:r>
+            <a:r>
+              <a:rPr lang="en-GB" dirty="0"/>
+              <a:t>is a builtin directive that you can use in your Angular templates to iterate through lists and arrays of data in order to display it. </a:t>
+            </a:r>
+          </a:p>
+          <a:p>
+            <a:pPr>
+              <a:lnSpc>
+                <a:spcPct val="200000"/>
+              </a:lnSpc>
+              <a:buFont typeface="Wingdings" panose="05000000000000000000" pitchFamily="2" charset="2"/>
+              <a:buChar char="§"/>
+            </a:pPr>
+            <a:endParaRPr lang="en-GB" dirty="0"/>
+          </a:p>
+          <a:p>
+            <a:pPr>
+              <a:lnSpc>
+                <a:spcPct val="200000"/>
+              </a:lnSpc>
+              <a:buFont typeface="Wingdings" panose="05000000000000000000" pitchFamily="2" charset="2"/>
+              <a:buChar char="§"/>
+            </a:pPr>
+            <a:endParaRPr lang="en-US" b="1" dirty="0"/>
+          </a:p>
+        </p:txBody>
+      </p:sp>
+      <p:pic>
+        <p:nvPicPr>
+          <p:cNvPr id="4" name="Picture 3"/>
+          <p:cNvPicPr>
+            <a:picLocks noChangeAspect="1"/>
+          </p:cNvPicPr>
+          <p:nvPr/>
+        </p:nvPicPr>
+        <p:blipFill>
+          <a:blip r:embed="rId2"/>
+          <a:stretch>
+            <a:fillRect/>
+          </a:stretch>
+        </p:blipFill>
+        <p:spPr>
+          <a:xfrm>
+            <a:off x="1097280" y="3326892"/>
+            <a:ext cx="6581775" cy="2362200"/>
+          </a:xfrm>
+          <a:prstGeom prst="rect">
+            <a:avLst/>
+          </a:prstGeom>
+        </p:spPr>
+      </p:pic>
+    </p:spTree>
+    <p:extLst>
+      <p:ext uri="{BB962C8B-B14F-4D97-AF65-F5344CB8AC3E}">
+        <p14:creationId xmlns:p14="http://schemas.microsoft.com/office/powerpoint/2010/main" val="3785000355"/>
+      </p:ext>
+    </p:extLst>
+  </p:cSld>
+  <p:clrMapOvr>
+    <a:masterClrMapping/>
+  </p:clrMapOvr>
+  <p:timing>
+    <p:tnLst>
+      <p:par>
+        <p:cTn id="1" dur="indefinite" restart="never" nodeType="tmRoot"/>
+      </p:par>
+    </p:tnLst>
+  </p:timing>
+</p:sld>
+</file>
+
+<file path=ppt/slides/slide13.xml><?xml version="1.0" encoding="utf-8"?>
+<p:sld xmlns:a="http://schemas.openxmlformats.org/drawingml/2006/main" xmlns:r="http://schemas.openxmlformats.org/officeDocument/2006/relationships" xmlns:p="http://schemas.openxmlformats.org/presentationml/2006/main">
+  <p:cSld>
+    <p:spTree>
+      <p:nvGrpSpPr>
+        <p:cNvPr id="1" name=""/>
+        <p:cNvGrpSpPr/>
+        <p:nvPr/>
+      </p:nvGrpSpPr>
+      <p:grpSpPr>
+        <a:xfrm>
+          <a:off x="0" y="0"/>
+          <a:ext cx="0" cy="0"/>
+          <a:chOff x="0" y="0"/>
+          <a:chExt cx="0" cy="0"/>
+        </a:xfrm>
+      </p:grpSpPr>
+      <p:sp>
+        <p:nvSpPr>
+          <p:cNvPr id="2" name="Title 1"/>
+          <p:cNvSpPr>
+            <a:spLocks noGrp="1"/>
+          </p:cNvSpPr>
+          <p:nvPr>
+            <p:ph type="title"/>
+          </p:nvPr>
+        </p:nvSpPr>
+        <p:spPr/>
+        <p:txBody>
+          <a:bodyPr/>
+          <a:lstStyle/>
+          <a:p>
+            <a:r>
+              <a:rPr lang="en-US" dirty="0" smtClean="0"/>
+              <a:t>*ngFor usage in Ionic</a:t>
+            </a:r>
+            <a:endParaRPr lang="en-GB" dirty="0"/>
+          </a:p>
+        </p:txBody>
+      </p:sp>
+      <p:sp>
+        <p:nvSpPr>
+          <p:cNvPr id="3" name="Content Placeholder 2"/>
+          <p:cNvSpPr>
+            <a:spLocks noGrp="1"/>
+          </p:cNvSpPr>
+          <p:nvPr>
+            <p:ph idx="1"/>
+          </p:nvPr>
+        </p:nvSpPr>
+        <p:spPr>
+          <a:xfrm>
+            <a:off x="1033272" y="1737360"/>
+            <a:ext cx="10058400" cy="4673938"/>
+          </a:xfrm>
+        </p:spPr>
+        <p:txBody>
+          <a:bodyPr>
+            <a:noAutofit/>
+          </a:bodyPr>
+          <a:lstStyle/>
+          <a:p>
+            <a:pPr>
+              <a:lnSpc>
+                <a:spcPct val="200000"/>
+              </a:lnSpc>
+              <a:buFont typeface="Wingdings" panose="05000000000000000000" pitchFamily="2" charset="2"/>
+              <a:buChar char="§"/>
+            </a:pPr>
+            <a:r>
+              <a:rPr lang="en-GB" dirty="0" smtClean="0"/>
+              <a:t> </a:t>
+            </a:r>
+            <a:r>
+              <a:rPr lang="en-GB" dirty="0"/>
+              <a:t>R</a:t>
+            </a:r>
+            <a:r>
+              <a:rPr lang="en-GB" dirty="0" smtClean="0"/>
+              <a:t>esult of *ngFor</a:t>
+            </a:r>
+            <a:endParaRPr lang="en-GB" dirty="0"/>
+          </a:p>
+          <a:p>
+            <a:pPr>
+              <a:lnSpc>
+                <a:spcPct val="200000"/>
+              </a:lnSpc>
+              <a:buFont typeface="Wingdings" panose="05000000000000000000" pitchFamily="2" charset="2"/>
+              <a:buChar char="§"/>
+            </a:pPr>
+            <a:endParaRPr lang="en-US" b="1" dirty="0"/>
+          </a:p>
+        </p:txBody>
+      </p:sp>
+      <p:pic>
+        <p:nvPicPr>
+          <p:cNvPr id="7" name="Picture 6"/>
+          <p:cNvPicPr>
+            <a:picLocks noChangeAspect="1"/>
+          </p:cNvPicPr>
+          <p:nvPr/>
+        </p:nvPicPr>
+        <p:blipFill>
+          <a:blip r:embed="rId2"/>
+          <a:stretch>
+            <a:fillRect/>
+          </a:stretch>
+        </p:blipFill>
+        <p:spPr>
+          <a:xfrm>
+            <a:off x="3337560" y="2003788"/>
+            <a:ext cx="3119689" cy="4141081"/>
+          </a:xfrm>
+          <a:prstGeom prst="rect">
+            <a:avLst/>
+          </a:prstGeom>
+        </p:spPr>
+      </p:pic>
+    </p:spTree>
+    <p:extLst>
+      <p:ext uri="{BB962C8B-B14F-4D97-AF65-F5344CB8AC3E}">
+        <p14:creationId xmlns:p14="http://schemas.microsoft.com/office/powerpoint/2010/main" val="3092623549"/>
+      </p:ext>
+    </p:extLst>
+  </p:cSld>
+  <p:clrMapOvr>
+    <a:masterClrMapping/>
+  </p:clrMapOvr>
+  <p:timing>
+    <p:tnLst>
+      <p:par>
+        <p:cTn id="1" dur="indefinite" restart="never" nodeType="tmRoot"/>
+      </p:par>
+    </p:tnLst>
+  </p:timing>
+</p:sld>
+</file>
+
+<file path=ppt/slides/slide14.xml><?xml version="1.0" encoding="utf-8"?>
+<p:sld xmlns:a="http://schemas.openxmlformats.org/drawingml/2006/main" xmlns:r="http://schemas.openxmlformats.org/officeDocument/2006/relationships" xmlns:p="http://schemas.openxmlformats.org/presentationml/2006/main">
+  <p:cSld>
+    <p:spTree>
+      <p:nvGrpSpPr>
+        <p:cNvPr id="1" name=""/>
+        <p:cNvGrpSpPr/>
+        <p:nvPr/>
+      </p:nvGrpSpPr>
+      <p:grpSpPr>
+        <a:xfrm>
+          <a:off x="0" y="0"/>
+          <a:ext cx="0" cy="0"/>
+          <a:chOff x="0" y="0"/>
+          <a:chExt cx="0" cy="0"/>
+        </a:xfrm>
+      </p:grpSpPr>
+      <p:sp>
+        <p:nvSpPr>
+          <p:cNvPr id="2" name="Title 1"/>
+          <p:cNvSpPr>
+            <a:spLocks noGrp="1"/>
+          </p:cNvSpPr>
+          <p:nvPr>
+            <p:ph type="title"/>
+          </p:nvPr>
+        </p:nvSpPr>
+        <p:spPr/>
+        <p:txBody>
+          <a:bodyPr/>
+          <a:lstStyle/>
+          <a:p>
+            <a:r>
+              <a:rPr lang="en-US" dirty="0" smtClean="0"/>
+              <a:t>*ngIf usage in Ionic</a:t>
+            </a:r>
+            <a:endParaRPr lang="en-GB" dirty="0"/>
+          </a:p>
+        </p:txBody>
+      </p:sp>
+      <p:sp>
+        <p:nvSpPr>
+          <p:cNvPr id="3" name="Content Placeholder 2"/>
+          <p:cNvSpPr>
+            <a:spLocks noGrp="1"/>
+          </p:cNvSpPr>
+          <p:nvPr>
+            <p:ph idx="1"/>
+          </p:nvPr>
+        </p:nvSpPr>
+        <p:spPr>
+          <a:xfrm>
+            <a:off x="1033272" y="1737360"/>
+            <a:ext cx="10058400" cy="4673938"/>
+          </a:xfrm>
+        </p:spPr>
+        <p:txBody>
+          <a:bodyPr>
+            <a:noAutofit/>
+          </a:bodyPr>
+          <a:lstStyle/>
+          <a:p>
+            <a:pPr>
+              <a:lnSpc>
+                <a:spcPct val="200000"/>
+              </a:lnSpc>
+              <a:buFont typeface="Wingdings" panose="05000000000000000000" pitchFamily="2" charset="2"/>
+              <a:buChar char="§"/>
+            </a:pPr>
+            <a:r>
+              <a:rPr lang="en-GB" dirty="0" smtClean="0"/>
+              <a:t> </a:t>
+            </a:r>
+            <a:r>
+              <a:rPr lang="en-GB" dirty="0" smtClean="0"/>
+              <a:t>*</a:t>
+            </a:r>
+            <a:r>
+              <a:rPr lang="en-GB" dirty="0" smtClean="0"/>
+              <a:t>ngIf removed or adds an element to View depending on the condition.</a:t>
+            </a:r>
+            <a:endParaRPr lang="en-US" b="1" dirty="0"/>
+          </a:p>
+        </p:txBody>
+      </p:sp>
+      <p:graphicFrame>
+        <p:nvGraphicFramePr>
+          <p:cNvPr id="6" name="Object 5"/>
+          <p:cNvGraphicFramePr>
+            <a:graphicFrameLocks noChangeAspect="1"/>
+          </p:cNvGraphicFramePr>
+          <p:nvPr>
+            <p:extLst>
+              <p:ext uri="{D42A27DB-BD31-4B8C-83A1-F6EECF244321}">
+                <p14:modId xmlns:p14="http://schemas.microsoft.com/office/powerpoint/2010/main" val="1909939121"/>
+              </p:ext>
+            </p:extLst>
+          </p:nvPr>
+        </p:nvGraphicFramePr>
+        <p:xfrm>
+          <a:off x="969264" y="2928747"/>
+          <a:ext cx="6508623" cy="2590800"/>
+        </p:xfrm>
+        <a:graphic>
+          <a:graphicData uri="http://schemas.openxmlformats.org/presentationml/2006/ole">
+            <mc:AlternateContent xmlns:mc="http://schemas.openxmlformats.org/markup-compatibility/2006">
+              <mc:Choice xmlns:v="urn:schemas-microsoft-com:vml" Requires="v">
+                <p:oleObj spid="_x0000_s1030" name="Document" r:id="rId3" imgW="8282741" imgH="2590560" progId="Word.Document.12">
+                  <p:embed/>
+                </p:oleObj>
+              </mc:Choice>
+              <mc:Fallback>
+                <p:oleObj name="Document" r:id="rId3" imgW="8282741" imgH="2590560" progId="Word.Document.12">
+                  <p:embed/>
+                  <p:pic>
+                    <p:nvPicPr>
+                      <p:cNvPr id="0" name=""/>
+                      <p:cNvPicPr/>
+                      <p:nvPr/>
+                    </p:nvPicPr>
+                    <p:blipFill>
+                      <a:blip r:embed="rId4"/>
+                      <a:stretch>
+                        <a:fillRect/>
+                      </a:stretch>
+                    </p:blipFill>
+                    <p:spPr>
+                      <a:xfrm>
+                        <a:off x="969264" y="2928747"/>
+                        <a:ext cx="6508623" cy="2590800"/>
+                      </a:xfrm>
+                      <a:prstGeom prst="rect">
+                        <a:avLst/>
+                      </a:prstGeom>
+                    </p:spPr>
+                  </p:pic>
+                </p:oleObj>
+              </mc:Fallback>
+            </mc:AlternateContent>
+          </a:graphicData>
+        </a:graphic>
+      </p:graphicFrame>
+      <p:graphicFrame>
+        <p:nvGraphicFramePr>
+          <p:cNvPr id="7" name="Object 6"/>
+          <p:cNvGraphicFramePr>
+            <a:graphicFrameLocks noChangeAspect="1"/>
+          </p:cNvGraphicFramePr>
+          <p:nvPr>
+            <p:extLst>
+              <p:ext uri="{D42A27DB-BD31-4B8C-83A1-F6EECF244321}">
+                <p14:modId xmlns:p14="http://schemas.microsoft.com/office/powerpoint/2010/main" val="1843043002"/>
+              </p:ext>
+            </p:extLst>
+          </p:nvPr>
+        </p:nvGraphicFramePr>
+        <p:xfrm>
+          <a:off x="7637907" y="2928747"/>
+          <a:ext cx="4433888" cy="3270504"/>
+        </p:xfrm>
+        <a:graphic>
+          <a:graphicData uri="http://schemas.openxmlformats.org/presentationml/2006/ole">
+            <mc:AlternateContent xmlns:mc="http://schemas.openxmlformats.org/markup-compatibility/2006">
+              <mc:Choice xmlns:v="urn:schemas-microsoft-com:vml" Requires="v">
+                <p:oleObj spid="_x0000_s1031" name="Document" r:id="rId5" imgW="5716556" imgH="3429000" progId="Word.Document.12">
+                  <p:embed/>
+                </p:oleObj>
+              </mc:Choice>
+              <mc:Fallback>
+                <p:oleObj name="Document" r:id="rId5" imgW="5716556" imgH="3429000" progId="Word.Document.12">
+                  <p:embed/>
+                  <p:pic>
+                    <p:nvPicPr>
+                      <p:cNvPr id="0" name=""/>
+                      <p:cNvPicPr/>
+                      <p:nvPr/>
+                    </p:nvPicPr>
+                    <p:blipFill>
+                      <a:blip r:embed="rId6"/>
+                      <a:stretch>
+                        <a:fillRect/>
+                      </a:stretch>
+                    </p:blipFill>
+                    <p:spPr>
+                      <a:xfrm>
+                        <a:off x="7637907" y="2928747"/>
+                        <a:ext cx="4433888" cy="3270504"/>
+                      </a:xfrm>
+                      <a:prstGeom prst="rect">
+                        <a:avLst/>
+                      </a:prstGeom>
+                    </p:spPr>
+                  </p:pic>
+                </p:oleObj>
+              </mc:Fallback>
+            </mc:AlternateContent>
+          </a:graphicData>
+        </a:graphic>
+      </p:graphicFrame>
+    </p:spTree>
+    <p:extLst>
+      <p:ext uri="{BB962C8B-B14F-4D97-AF65-F5344CB8AC3E}">
+        <p14:creationId xmlns:p14="http://schemas.microsoft.com/office/powerpoint/2010/main" val="1462505970"/>
+      </p:ext>
+    </p:extLst>
+  </p:cSld>
+  <p:clrMapOvr>
+    <a:masterClrMapping/>
+  </p:clrMapOvr>
+  <p:timing>
+    <p:tnLst>
+      <p:par>
+        <p:cTn id="1" dur="indefinite" restart="never" nodeType="tmRoot"/>
+      </p:par>
+    </p:tnLst>
+  </p:timing>
+</p:sld>
+</file>
+
+<file path=ppt/slides/slide15.xml><?xml version="1.0" encoding="utf-8"?>
+<p:sld xmlns:a="http://schemas.openxmlformats.org/drawingml/2006/main" xmlns:r="http://schemas.openxmlformats.org/officeDocument/2006/relationships" xmlns:p="http://schemas.openxmlformats.org/presentationml/2006/main">
+  <p:cSld>
+    <p:spTree>
+      <p:nvGrpSpPr>
+        <p:cNvPr id="1" name=""/>
+        <p:cNvGrpSpPr/>
+        <p:nvPr/>
+      </p:nvGrpSpPr>
+      <p:grpSpPr>
+        <a:xfrm>
+          <a:off x="0" y="0"/>
+          <a:ext cx="0" cy="0"/>
+          <a:chOff x="0" y="0"/>
+          <a:chExt cx="0" cy="0"/>
+        </a:xfrm>
+      </p:grpSpPr>
+      <p:sp>
+        <p:nvSpPr>
+          <p:cNvPr id="2" name="Title 1"/>
+          <p:cNvSpPr>
+            <a:spLocks noGrp="1"/>
+          </p:cNvSpPr>
+          <p:nvPr>
+            <p:ph type="title"/>
+          </p:nvPr>
+        </p:nvSpPr>
+        <p:spPr/>
+        <p:txBody>
+          <a:bodyPr/>
+          <a:lstStyle/>
+          <a:p>
+            <a:r>
+              <a:rPr lang="en-US" dirty="0" smtClean="0"/>
+              <a:t>*ngIf usage in Ionic</a:t>
+            </a:r>
+            <a:endParaRPr lang="en-GB" dirty="0"/>
+          </a:p>
+        </p:txBody>
+      </p:sp>
+      <p:sp>
+        <p:nvSpPr>
+          <p:cNvPr id="3" name="Content Placeholder 2"/>
+          <p:cNvSpPr>
+            <a:spLocks noGrp="1"/>
+          </p:cNvSpPr>
+          <p:nvPr>
+            <p:ph idx="1"/>
+          </p:nvPr>
+        </p:nvSpPr>
+        <p:spPr>
+          <a:xfrm>
+            <a:off x="1033272" y="1737360"/>
+            <a:ext cx="10058400" cy="4673938"/>
+          </a:xfrm>
+        </p:spPr>
+        <p:txBody>
+          <a:bodyPr>
+            <a:noAutofit/>
+          </a:bodyPr>
+          <a:lstStyle/>
+          <a:p>
+            <a:pPr>
+              <a:lnSpc>
+                <a:spcPct val="200000"/>
+              </a:lnSpc>
+              <a:buFont typeface="Wingdings" panose="05000000000000000000" pitchFamily="2" charset="2"/>
+              <a:buChar char="§"/>
+            </a:pPr>
+            <a:r>
+              <a:rPr lang="en-GB" dirty="0" smtClean="0"/>
+              <a:t> </a:t>
+            </a:r>
+            <a:r>
+              <a:rPr lang="en-GB" dirty="0" smtClean="0"/>
+              <a:t>*</a:t>
+            </a:r>
+            <a:r>
+              <a:rPr lang="en-GB" dirty="0" smtClean="0"/>
+              <a:t>ngIf result. No Avatar for Ahmed and Zia as they are ‘absent’.</a:t>
+            </a:r>
+          </a:p>
+          <a:p>
+            <a:pPr marL="0" indent="0">
+              <a:lnSpc>
+                <a:spcPct val="200000"/>
+              </a:lnSpc>
+              <a:buNone/>
+            </a:pPr>
+            <a:endParaRPr lang="en-US" b="1" dirty="0"/>
+          </a:p>
+        </p:txBody>
+      </p:sp>
+      <p:pic>
+        <p:nvPicPr>
+          <p:cNvPr id="4" name="Picture 3"/>
+          <p:cNvPicPr>
+            <a:picLocks noChangeAspect="1"/>
+          </p:cNvPicPr>
+          <p:nvPr/>
+        </p:nvPicPr>
+        <p:blipFill>
+          <a:blip r:embed="rId2"/>
+          <a:stretch>
+            <a:fillRect/>
+          </a:stretch>
+        </p:blipFill>
+        <p:spPr>
+          <a:xfrm>
+            <a:off x="1033272" y="2569464"/>
+            <a:ext cx="2026446" cy="3447287"/>
+          </a:xfrm>
+          <a:prstGeom prst="rect">
+            <a:avLst/>
+          </a:prstGeom>
+        </p:spPr>
+      </p:pic>
+    </p:spTree>
+    <p:extLst>
+      <p:ext uri="{BB962C8B-B14F-4D97-AF65-F5344CB8AC3E}">
+        <p14:creationId xmlns:p14="http://schemas.microsoft.com/office/powerpoint/2010/main" val="1132883845"/>
+      </p:ext>
+    </p:extLst>
+  </p:cSld>
+  <p:clrMapOvr>
+    <a:masterClrMapping/>
+  </p:clrMapOvr>
+  <p:timing>
+    <p:tnLst>
+      <p:par>
+        <p:cTn id="1" dur="indefinite" restart="never" nodeType="tmRoot"/>
+      </p:par>
+    </p:tnLst>
+  </p:timing>
+</p:sld>
+</file>
+
 <file path=ppt/slides/slide2.xml><?xml version="1.0" encoding="utf-8"?>
 <p:sld xmlns:a="http://schemas.openxmlformats.org/drawingml/2006/main" xmlns:r="http://schemas.openxmlformats.org/officeDocument/2006/relationships" xmlns:p="http://schemas.openxmlformats.org/presentationml/2006/main">
   <p:cSld>
@@ -4552,11 +5203,7 @@
             </a:pPr>
             <a:r>
               <a:rPr lang="en-US" dirty="0" smtClean="0"/>
-              <a:t> </a:t>
-            </a:r>
-            <a:r>
-              <a:rPr lang="en-US" dirty="0" smtClean="0"/>
-              <a:t>What are lifecycle methods? </a:t>
+              <a:t> What are lifecycle methods? </a:t>
             </a:r>
             <a:r>
               <a:rPr lang="en-GB" dirty="0" smtClean="0"/>
@@ -4606,7 +5253,6 @@
               <a:rPr lang="en-GB" dirty="0"/>
               <a:t> Every stage is called as lifecycle hook event. </a:t>
             </a:r>
-            <a:endParaRPr lang="en-GB" dirty="0"/>
           </a:p>
         </p:txBody>
       </p:sp>

--- a/lecture 5/Lecture 5 - Mobile Application Development.pptx
+++ b/lecture 5/Lecture 5 - Mobile Application Development.pptx
@@ -237,7 +237,7 @@
           <a:p>
             <a:fld id="{A3C2A6A4-4365-4DD8-8CB7-3A4F849F3EAA}" type="datetimeFigureOut">
               <a:rPr lang="en-GB" smtClean="0"/>
-              <a:t>25/09/2019</a:t>
+              <a:t>30/09/2019</a:t>
             </a:fld>
             <a:endParaRPr lang="en-GB"/>
           </a:p>
@@ -731,7 +731,7 @@
           <a:p>
             <a:fld id="{B5906FF8-4769-4691-A860-171D2AFB3E65}" type="datetimeFigureOut">
               <a:rPr lang="en-GB" smtClean="0"/>
-              <a:t>25/09/2019</a:t>
+              <a:t>30/09/2019</a:t>
             </a:fld>
             <a:endParaRPr lang="en-GB"/>
           </a:p>
@@ -939,7 +939,7 @@
           <a:p>
             <a:fld id="{B5906FF8-4769-4691-A860-171D2AFB3E65}" type="datetimeFigureOut">
               <a:rPr lang="en-GB" smtClean="0"/>
-              <a:t>25/09/2019</a:t>
+              <a:t>30/09/2019</a:t>
             </a:fld>
             <a:endParaRPr lang="en-GB"/>
           </a:p>
@@ -1195,7 +1195,7 @@
           <a:p>
             <a:fld id="{B5906FF8-4769-4691-A860-171D2AFB3E65}" type="datetimeFigureOut">
               <a:rPr lang="en-GB" smtClean="0"/>
-              <a:t>25/09/2019</a:t>
+              <a:t>30/09/2019</a:t>
             </a:fld>
             <a:endParaRPr lang="en-GB"/>
           </a:p>
@@ -1369,7 +1369,7 @@
           <a:p>
             <a:fld id="{B5906FF8-4769-4691-A860-171D2AFB3E65}" type="datetimeFigureOut">
               <a:rPr lang="en-GB" smtClean="0"/>
-              <a:t>25/09/2019</a:t>
+              <a:t>30/09/2019</a:t>
             </a:fld>
             <a:endParaRPr lang="en-GB"/>
           </a:p>
@@ -1712,7 +1712,7 @@
           <a:p>
             <a:fld id="{B5906FF8-4769-4691-A860-171D2AFB3E65}" type="datetimeFigureOut">
               <a:rPr lang="en-GB" smtClean="0"/>
-              <a:t>25/09/2019</a:t>
+              <a:t>30/09/2019</a:t>
             </a:fld>
             <a:endParaRPr lang="en-GB"/>
           </a:p>
@@ -1987,7 +1987,7 @@
           <a:p>
             <a:fld id="{B5906FF8-4769-4691-A860-171D2AFB3E65}" type="datetimeFigureOut">
               <a:rPr lang="en-GB" smtClean="0"/>
-              <a:t>25/09/2019</a:t>
+              <a:t>30/09/2019</a:t>
             </a:fld>
             <a:endParaRPr lang="en-GB"/>
           </a:p>
@@ -2366,7 +2366,7 @@
           <a:p>
             <a:fld id="{B5906FF8-4769-4691-A860-171D2AFB3E65}" type="datetimeFigureOut">
               <a:rPr lang="en-GB" smtClean="0"/>
-              <a:t>25/09/2019</a:t>
+              <a:t>30/09/2019</a:t>
             </a:fld>
             <a:endParaRPr lang="en-GB"/>
           </a:p>
@@ -2484,7 +2484,7 @@
           <a:p>
             <a:fld id="{B5906FF8-4769-4691-A860-171D2AFB3E65}" type="datetimeFigureOut">
               <a:rPr lang="en-GB" smtClean="0"/>
-              <a:t>25/09/2019</a:t>
+              <a:t>30/09/2019</a:t>
             </a:fld>
             <a:endParaRPr lang="en-GB"/>
           </a:p>
@@ -2655,7 +2655,7 @@
           <a:p>
             <a:fld id="{B5906FF8-4769-4691-A860-171D2AFB3E65}" type="datetimeFigureOut">
               <a:rPr lang="en-GB" smtClean="0"/>
-              <a:t>25/09/2019</a:t>
+              <a:t>30/09/2019</a:t>
             </a:fld>
             <a:endParaRPr lang="en-GB"/>
           </a:p>
@@ -3009,7 +3009,7 @@
           <a:p>
             <a:fld id="{B5906FF8-4769-4691-A860-171D2AFB3E65}" type="datetimeFigureOut">
               <a:rPr lang="en-GB" smtClean="0"/>
-              <a:t>25/09/2019</a:t>
+              <a:t>30/09/2019</a:t>
             </a:fld>
             <a:endParaRPr lang="en-GB"/>
           </a:p>
@@ -3391,7 +3391,7 @@
           <a:p>
             <a:fld id="{B5906FF8-4769-4691-A860-171D2AFB3E65}" type="datetimeFigureOut">
               <a:rPr lang="en-GB" smtClean="0"/>
-              <a:t>25/09/2019</a:t>
+              <a:t>30/09/2019</a:t>
             </a:fld>
             <a:endParaRPr lang="en-GB"/>
           </a:p>
@@ -3678,7 +3678,7 @@
           <a:p>
             <a:fld id="{B5906FF8-4769-4691-A860-171D2AFB3E65}" type="datetimeFigureOut">
               <a:rPr lang="en-GB" smtClean="0"/>
-              <a:t>25/09/2019</a:t>
+              <a:t>30/09/2019</a:t>
             </a:fld>
             <a:endParaRPr lang="en-GB"/>
           </a:p>
@@ -4561,15 +4561,7 @@
             </a:pPr>
             <a:r>
               <a:rPr lang="en-GB" dirty="0" smtClean="0"/>
-              <a:t> </a:t>
-            </a:r>
-            <a:r>
-              <a:rPr lang="en-GB" dirty="0" smtClean="0"/>
-              <a:t>*</a:t>
-            </a:r>
-            <a:r>
-              <a:rPr lang="en-GB" dirty="0" smtClean="0"/>
-              <a:t>ngFor </a:t>
+              <a:t> *ngFor </a:t>
             </a:r>
             <a:r>
               <a:rPr lang="en-GB" dirty="0"/>
@@ -4852,15 +4844,7 @@
             </a:pPr>
             <a:r>
               <a:rPr lang="en-GB" dirty="0" smtClean="0"/>
-              <a:t> </a:t>
-            </a:r>
-            <a:r>
-              <a:rPr lang="en-GB" dirty="0" smtClean="0"/>
-              <a:t>*</a:t>
-            </a:r>
-            <a:r>
-              <a:rPr lang="en-GB" dirty="0" smtClean="0"/>
-              <a:t>ngIf removed or adds an element to View depending on the condition.</a:t>
+              <a:t> *ngIf removed or adds an element to View depending on the condition.</a:t>
             </a:r>
             <a:endParaRPr lang="en-US" b="1" dirty="0"/>
           </a:p>
@@ -4888,7 +4872,7 @@
           <a:graphicData uri="http://schemas.openxmlformats.org/presentationml/2006/ole">
             <mc:AlternateContent xmlns:mc="http://schemas.openxmlformats.org/markup-compatibility/2006">
               <mc:Choice xmlns:v="urn:schemas-microsoft-com:vml" Requires="v">
-                <p:oleObj spid="_x0000_s1030" name="Document" r:id="rId3" imgW="8282741" imgH="2590560" progId="Word.Document.12">
+                <p:oleObj spid="_x0000_s1042" name="Document" r:id="rId3" imgW="8282741" imgH="2590560" progId="Word.Document.12">
                   <p:embed/>
                 </p:oleObj>
               </mc:Choice>
@@ -4945,7 +4929,7 @@
           <a:graphicData uri="http://schemas.openxmlformats.org/presentationml/2006/ole">
             <mc:AlternateContent xmlns:mc="http://schemas.openxmlformats.org/markup-compatibility/2006">
               <mc:Choice xmlns:v="urn:schemas-microsoft-com:vml" Requires="v">
-                <p:oleObj spid="_x0000_s1031" name="Document" r:id="rId5" imgW="5716556" imgH="3429000" progId="Word.Document.12">
+                <p:oleObj spid="_x0000_s1043" name="Document" r:id="rId5" imgW="5716556" imgH="3429000" progId="Word.Document.12">
                   <p:embed/>
                 </p:oleObj>
               </mc:Choice>
@@ -5071,15 +5055,7 @@
             </a:pPr>
             <a:r>
               <a:rPr lang="en-GB" dirty="0" smtClean="0"/>
-              <a:t> </a:t>
-            </a:r>
-            <a:r>
-              <a:rPr lang="en-GB" dirty="0" smtClean="0"/>
-              <a:t>*</a:t>
-            </a:r>
-            <a:r>
-              <a:rPr lang="en-GB" dirty="0" smtClean="0"/>
-              <a:t>ngIf result. No Avatar for Ahmed and Zia as they are ‘absent’.</a:t>
+              <a:t> *ngIf result. No Avatar for Ahmed and Zia as they are ‘absent’.</a:t>
             </a:r>
           </a:p>
           <a:p>
@@ -5836,16 +5812,16 @@
               <a:t> </a:t>
             </a:r>
             <a:r>
+              <a:rPr lang="en-GB" dirty="0" smtClean="0"/>
+              <a:t>This </a:t>
+            </a:r>
+            <a:r>
               <a:rPr lang="en-GB" dirty="0"/>
-              <a:t>This event initializes after Angular first displays the data-bound properties or </a:t>
-            </a:r>
-            <a:r>
-              <a:rPr lang="en-GB" dirty="0" smtClean="0"/>
-              <a:t>when </a:t>
-            </a:r>
-            <a:r>
-              <a:rPr lang="en-GB" dirty="0"/>
-              <a:t>the component has been initialized. This method is very useful for unsubscribing from the observables and detaching the event handlers to avoid memory leaks. </a:t>
+              <a:t>method is very useful for unsubscribing from the observables and detaching the event handlers to avoid memory leaks. </a:t>
+            </a:r>
+            <a:r>
+              <a:rPr lang="en-GB" smtClean="0"/>
+              <a:t>This is executed when ever the component is detroyed/removed from view. </a:t>
             </a:r>
             <a:endParaRPr lang="en-GB" dirty="0" smtClean="0"/>
           </a:p>
